--- a/Angular 2.pptx
+++ b/Angular 2.pptx
@@ -5,7 +5,7 @@
     <p:sldMasterId id="2147483648" r:id="rId1"/>
   </p:sldMasterIdLst>
   <p:notesMasterIdLst>
-    <p:notesMasterId r:id="rId34"/>
+    <p:notesMasterId r:id="rId37"/>
   </p:notesMasterIdLst>
   <p:sldIdLst>
     <p:sldId id="256" r:id="rId2"/>
@@ -40,6 +40,9 @@
     <p:sldId id="285" r:id="rId31"/>
     <p:sldId id="286" r:id="rId32"/>
     <p:sldId id="287" r:id="rId33"/>
+    <p:sldId id="288" r:id="rId34"/>
+    <p:sldId id="289" r:id="rId35"/>
+    <p:sldId id="290" r:id="rId36"/>
   </p:sldIdLst>
   <p:sldSz cx="12192000" cy="6858000"/>
   <p:notesSz cx="6858000" cy="9144000"/>
@@ -175,6 +178,9 @@
             <p14:sldId id="285"/>
             <p14:sldId id="286"/>
             <p14:sldId id="287"/>
+            <p14:sldId id="288"/>
+            <p14:sldId id="289"/>
+            <p14:sldId id="290"/>
           </p14:sldIdLst>
         </p14:section>
       </p14:sectionLst>
@@ -8738,7 +8744,9 @@
         </p:nvSpPr>
         <p:spPr/>
         <p:txBody>
-          <a:bodyPr/>
+          <a:bodyPr>
+            <a:normAutofit lnSpcReduction="10000"/>
+          </a:bodyPr>
           <a:lstStyle/>
           <a:p>
             <a:r>
@@ -8822,10 +8830,23 @@
               <a:t>url</a:t>
             </a:r>
             <a:r>
-              <a:rPr lang="en-IN"/>
+              <a:rPr lang="en-IN" dirty="0"/>
               <a:t>.</a:t>
             </a:r>
-            <a:endParaRPr lang="en-IN" dirty="0"/>
+          </a:p>
+          <a:p>
+            <a:r>
+              <a:rPr lang="en-IN" dirty="0"/>
+              <a:t>In constructor parameter we add “</a:t>
+            </a:r>
+            <a:r>
+              <a:rPr lang="en-IN" dirty="0" err="1"/>
+              <a:t>AuthService</a:t>
+            </a:r>
+            <a:r>
+              <a:rPr lang="en-IN" dirty="0"/>
+              <a:t>” object</a:t>
+            </a:r>
           </a:p>
         </p:txBody>
       </p:sp>
@@ -8833,6 +8854,655 @@
     <p:extLst>
       <p:ext uri="{BB962C8B-B14F-4D97-AF65-F5344CB8AC3E}">
         <p14:creationId xmlns:p14="http://schemas.microsoft.com/office/powerpoint/2010/main" val="790210236"/>
+      </p:ext>
+    </p:extLst>
+  </p:cSld>
+  <p:clrMapOvr>
+    <a:masterClrMapping/>
+  </p:clrMapOvr>
+</p:sld>
+</file>
+
+<file path=ppt/slides/slide33.xml><?xml version="1.0" encoding="utf-8"?>
+<p:sld xmlns:a="http://schemas.openxmlformats.org/drawingml/2006/main" xmlns:r="http://schemas.openxmlformats.org/officeDocument/2006/relationships" xmlns:p="http://schemas.openxmlformats.org/presentationml/2006/main">
+  <p:cSld>
+    <p:spTree>
+      <p:nvGrpSpPr>
+        <p:cNvPr id="1" name=""/>
+        <p:cNvGrpSpPr/>
+        <p:nvPr/>
+      </p:nvGrpSpPr>
+      <p:grpSpPr>
+        <a:xfrm>
+          <a:off x="0" y="0"/>
+          <a:ext cx="0" cy="0"/>
+          <a:chOff x="0" y="0"/>
+          <a:chExt cx="0" cy="0"/>
+        </a:xfrm>
+      </p:grpSpPr>
+      <p:sp>
+        <p:nvSpPr>
+          <p:cNvPr id="2" name="Title 1">
+            <a:extLst>
+              <a:ext uri="{FF2B5EF4-FFF2-40B4-BE49-F238E27FC236}">
+                <a16:creationId xmlns:a16="http://schemas.microsoft.com/office/drawing/2014/main" id="{7D7A2389-0460-49AB-9459-E1B2CF76B874}"/>
+              </a:ext>
+            </a:extLst>
+          </p:cNvPr>
+          <p:cNvSpPr>
+            <a:spLocks noGrp="1"/>
+          </p:cNvSpPr>
+          <p:nvPr>
+            <p:ph type="title"/>
+          </p:nvPr>
+        </p:nvSpPr>
+        <p:spPr>
+          <a:xfrm>
+            <a:off x="932154" y="365125"/>
+            <a:ext cx="10421645" cy="700195"/>
+          </a:xfrm>
+        </p:spPr>
+        <p:txBody>
+          <a:bodyPr/>
+          <a:lstStyle/>
+          <a:p>
+            <a:r>
+              <a:rPr lang="en-IN" dirty="0"/>
+              <a:t>JWT (Json web token)</a:t>
+            </a:r>
+          </a:p>
+        </p:txBody>
+      </p:sp>
+      <p:sp>
+        <p:nvSpPr>
+          <p:cNvPr id="3" name="Content Placeholder 2">
+            <a:extLst>
+              <a:ext uri="{FF2B5EF4-FFF2-40B4-BE49-F238E27FC236}">
+                <a16:creationId xmlns:a16="http://schemas.microsoft.com/office/drawing/2014/main" id="{BF2CED82-C076-40E4-8856-ABD264A9E966}"/>
+              </a:ext>
+            </a:extLst>
+          </p:cNvPr>
+          <p:cNvSpPr>
+            <a:spLocks noGrp="1"/>
+          </p:cNvSpPr>
+          <p:nvPr>
+            <p:ph idx="1"/>
+          </p:nvPr>
+        </p:nvSpPr>
+        <p:spPr>
+          <a:xfrm>
+            <a:off x="683581" y="1145219"/>
+            <a:ext cx="10670219" cy="5031744"/>
+          </a:xfrm>
+        </p:spPr>
+        <p:txBody>
+          <a:bodyPr>
+            <a:normAutofit fontScale="92500"/>
+          </a:bodyPr>
+          <a:lstStyle/>
+          <a:p>
+            <a:r>
+              <a:rPr lang="en-IN" dirty="0" err="1"/>
+              <a:t>this.http.post</a:t>
+            </a:r>
+            <a:r>
+              <a:rPr lang="en-IN" dirty="0"/>
+              <a:t>(“</a:t>
+            </a:r>
+            <a:r>
+              <a:rPr lang="en-IN" dirty="0" err="1"/>
+              <a:t>url</a:t>
+            </a:r>
+            <a:r>
+              <a:rPr lang="en-IN" dirty="0"/>
+              <a:t>”, </a:t>
+            </a:r>
+            <a:r>
+              <a:rPr lang="en-IN" dirty="0" err="1"/>
+              <a:t>requestBody</a:t>
+            </a:r>
+            <a:r>
+              <a:rPr lang="en-IN" dirty="0"/>
+              <a:t>).subscribe(result =&gt; {</a:t>
+            </a:r>
+          </a:p>
+          <a:p>
+            <a:pPr marL="0" indent="0">
+              <a:buNone/>
+            </a:pPr>
+            <a:r>
+              <a:rPr lang="en-IN" dirty="0"/>
+              <a:t>If(result) </a:t>
+            </a:r>
+            <a:r>
+              <a:rPr lang="en-IN" dirty="0" err="1"/>
+              <a:t>this.router.navigate</a:t>
+            </a:r>
+            <a:r>
+              <a:rPr lang="en-IN" dirty="0"/>
+              <a:t>([‘/’]); else </a:t>
+            </a:r>
+            <a:r>
+              <a:rPr lang="en-IN" dirty="0" err="1"/>
+              <a:t>this.invalidLogin</a:t>
+            </a:r>
+            <a:r>
+              <a:rPr lang="en-IN" dirty="0"/>
+              <a:t>=true;}</a:t>
+            </a:r>
+          </a:p>
+          <a:p>
+            <a:r>
+              <a:rPr lang="en-IN" dirty="0"/>
+              <a:t>We can use “</a:t>
+            </a:r>
+            <a:r>
+              <a:rPr lang="en-IN" dirty="0" err="1"/>
+              <a:t>localStorage</a:t>
+            </a:r>
+            <a:r>
+              <a:rPr lang="en-IN" dirty="0"/>
+              <a:t>” object to store data locally, to logout we can delete the object from </a:t>
+            </a:r>
+            <a:r>
+              <a:rPr lang="en-IN" dirty="0" err="1"/>
+              <a:t>localStorage</a:t>
+            </a:r>
+            <a:r>
+              <a:rPr lang="en-IN" dirty="0"/>
+              <a:t>.</a:t>
+            </a:r>
+          </a:p>
+          <a:p>
+            <a:r>
+              <a:rPr lang="en-IN" dirty="0"/>
+              <a:t>We can login implement just by validation the http response and store the information to local browser.</a:t>
+            </a:r>
+          </a:p>
+          <a:p>
+            <a:r>
+              <a:rPr lang="en-IN" dirty="0" err="1"/>
+              <a:t>Npm</a:t>
+            </a:r>
+            <a:r>
+              <a:rPr lang="en-IN" dirty="0"/>
+              <a:t> install angular2-jwt</a:t>
+            </a:r>
+          </a:p>
+          <a:p>
+            <a:pPr marL="0" indent="0">
+              <a:buNone/>
+            </a:pPr>
+            <a:r>
+              <a:rPr lang="en-IN" dirty="0"/>
+              <a:t>Let </a:t>
+            </a:r>
+            <a:r>
+              <a:rPr lang="en-IN" dirty="0" err="1"/>
+              <a:t>jwt</a:t>
+            </a:r>
+            <a:r>
+              <a:rPr lang="en-IN" dirty="0"/>
+              <a:t> = new </a:t>
+            </a:r>
+            <a:r>
+              <a:rPr lang="en-IN" dirty="0" err="1"/>
+              <a:t>JwtHelper</a:t>
+            </a:r>
+            <a:r>
+              <a:rPr lang="en-IN" dirty="0"/>
+              <a:t>(); it has methods like </a:t>
+            </a:r>
+          </a:p>
+          <a:p>
+            <a:pPr marL="0" indent="0">
+              <a:buNone/>
+            </a:pPr>
+            <a:r>
+              <a:rPr lang="en-IN" dirty="0" err="1"/>
+              <a:t>decodeToken</a:t>
+            </a:r>
+            <a:r>
+              <a:rPr lang="en-IN" dirty="0"/>
+              <a:t>, </a:t>
+            </a:r>
+            <a:r>
+              <a:rPr lang="en-IN" dirty="0" err="1"/>
+              <a:t>getTokenExpriationDate</a:t>
+            </a:r>
+            <a:r>
+              <a:rPr lang="en-IN" dirty="0"/>
+              <a:t>, isTokenExpired,urlBase64Decode</a:t>
+            </a:r>
+          </a:p>
+          <a:p>
+            <a:r>
+              <a:rPr lang="en-IN" dirty="0"/>
+              <a:t>We can take encoded data from local storage and use </a:t>
+            </a:r>
+            <a:r>
+              <a:rPr lang="en-IN" dirty="0" err="1"/>
+              <a:t>jwtHelper</a:t>
+            </a:r>
+            <a:r>
+              <a:rPr lang="en-IN" dirty="0"/>
+              <a:t> to validate</a:t>
+            </a:r>
+          </a:p>
+          <a:p>
+            <a:r>
+              <a:rPr lang="en-IN" dirty="0"/>
+              <a:t>We can show or hide pages by add *</a:t>
+            </a:r>
+            <a:r>
+              <a:rPr lang="en-IN" dirty="0" err="1"/>
+              <a:t>ngIf</a:t>
+            </a:r>
+            <a:r>
+              <a:rPr lang="en-IN" dirty="0"/>
+              <a:t> on routes in html page.</a:t>
+            </a:r>
+          </a:p>
+        </p:txBody>
+      </p:sp>
+    </p:spTree>
+    <p:extLst>
+      <p:ext uri="{BB962C8B-B14F-4D97-AF65-F5344CB8AC3E}">
+        <p14:creationId xmlns:p14="http://schemas.microsoft.com/office/powerpoint/2010/main" val="593148258"/>
+      </p:ext>
+    </p:extLst>
+  </p:cSld>
+  <p:clrMapOvr>
+    <a:masterClrMapping/>
+  </p:clrMapOvr>
+</p:sld>
+</file>
+
+<file path=ppt/slides/slide34.xml><?xml version="1.0" encoding="utf-8"?>
+<p:sld xmlns:a="http://schemas.openxmlformats.org/drawingml/2006/main" xmlns:r="http://schemas.openxmlformats.org/officeDocument/2006/relationships" xmlns:p="http://schemas.openxmlformats.org/presentationml/2006/main">
+  <p:cSld>
+    <p:spTree>
+      <p:nvGrpSpPr>
+        <p:cNvPr id="1" name=""/>
+        <p:cNvGrpSpPr/>
+        <p:nvPr/>
+      </p:nvGrpSpPr>
+      <p:grpSpPr>
+        <a:xfrm>
+          <a:off x="0" y="0"/>
+          <a:ext cx="0" cy="0"/>
+          <a:chOff x="0" y="0"/>
+          <a:chExt cx="0" cy="0"/>
+        </a:xfrm>
+      </p:grpSpPr>
+      <p:sp>
+        <p:nvSpPr>
+          <p:cNvPr id="2" name="Title 1">
+            <a:extLst>
+              <a:ext uri="{FF2B5EF4-FFF2-40B4-BE49-F238E27FC236}">
+                <a16:creationId xmlns:a16="http://schemas.microsoft.com/office/drawing/2014/main" id="{D1BF2F9F-7353-4DAF-BBB1-55EFB6031612}"/>
+              </a:ext>
+            </a:extLst>
+          </p:cNvPr>
+          <p:cNvSpPr>
+            <a:spLocks noGrp="1"/>
+          </p:cNvSpPr>
+          <p:nvPr>
+            <p:ph type="title"/>
+          </p:nvPr>
+        </p:nvSpPr>
+        <p:spPr>
+          <a:xfrm>
+            <a:off x="656948" y="365125"/>
+            <a:ext cx="10696852" cy="558153"/>
+          </a:xfrm>
+        </p:spPr>
+        <p:txBody>
+          <a:bodyPr>
+            <a:normAutofit fontScale="90000"/>
+          </a:bodyPr>
+          <a:lstStyle/>
+          <a:p>
+            <a:r>
+              <a:rPr lang="en-IN" dirty="0"/>
+              <a:t>JWT (json web token)</a:t>
+            </a:r>
+          </a:p>
+        </p:txBody>
+      </p:sp>
+      <p:sp>
+        <p:nvSpPr>
+          <p:cNvPr id="3" name="Content Placeholder 2">
+            <a:extLst>
+              <a:ext uri="{FF2B5EF4-FFF2-40B4-BE49-F238E27FC236}">
+                <a16:creationId xmlns:a16="http://schemas.microsoft.com/office/drawing/2014/main" id="{5D857122-5675-4380-A1AD-73CEB4A27054}"/>
+              </a:ext>
+            </a:extLst>
+          </p:cNvPr>
+          <p:cNvSpPr>
+            <a:spLocks noGrp="1"/>
+          </p:cNvSpPr>
+          <p:nvPr>
+            <p:ph idx="1"/>
+          </p:nvPr>
+        </p:nvSpPr>
+        <p:spPr>
+          <a:xfrm>
+            <a:off x="727969" y="1233996"/>
+            <a:ext cx="10625831" cy="4942967"/>
+          </a:xfrm>
+        </p:spPr>
+        <p:txBody>
+          <a:bodyPr>
+            <a:normAutofit lnSpcReduction="10000"/>
+          </a:bodyPr>
+          <a:lstStyle/>
+          <a:p>
+            <a:r>
+              <a:rPr lang="en-IN" dirty="0"/>
+              <a:t>We can implement </a:t>
+            </a:r>
+            <a:r>
+              <a:rPr lang="en-IN" dirty="0" err="1"/>
+              <a:t>canActivate</a:t>
+            </a:r>
+            <a:r>
+              <a:rPr lang="en-IN" dirty="0"/>
+              <a:t> interface and override </a:t>
+            </a:r>
+            <a:r>
+              <a:rPr lang="en-IN" dirty="0" err="1"/>
+              <a:t>canActivate</a:t>
+            </a:r>
+            <a:r>
+              <a:rPr lang="en-IN" dirty="0"/>
+              <a:t> method</a:t>
+            </a:r>
+          </a:p>
+          <a:p>
+            <a:r>
+              <a:rPr lang="en-IN" dirty="0"/>
+              <a:t>In </a:t>
+            </a:r>
+            <a:r>
+              <a:rPr lang="en-IN" dirty="0" err="1"/>
+              <a:t>canActivate</a:t>
+            </a:r>
+            <a:r>
+              <a:rPr lang="en-IN" dirty="0"/>
+              <a:t> method we can check if the user is logged in or not if not then we can redirect to home page by use </a:t>
+            </a:r>
+            <a:r>
+              <a:rPr lang="en-IN" dirty="0" err="1"/>
+              <a:t>this.route.navigate</a:t>
+            </a:r>
+            <a:r>
+              <a:rPr lang="en-IN" dirty="0"/>
+              <a:t>();</a:t>
+            </a:r>
+          </a:p>
+          <a:p>
+            <a:r>
+              <a:rPr lang="en-IN" dirty="0"/>
+              <a:t>While declaring Route in module we can add this implementing class to specific route. </a:t>
+            </a:r>
+            <a:r>
+              <a:rPr lang="en-IN" dirty="0" err="1"/>
+              <a:t>Eg</a:t>
+            </a:r>
+            <a:r>
+              <a:rPr lang="en-IN" dirty="0"/>
+              <a:t>: {path : “/” , </a:t>
+            </a:r>
+            <a:r>
+              <a:rPr lang="en-IN" dirty="0" err="1"/>
+              <a:t>component:”comp</a:t>
+            </a:r>
+            <a:r>
+              <a:rPr lang="en-IN" dirty="0"/>
+              <a:t>”, </a:t>
+            </a:r>
+            <a:r>
+              <a:rPr lang="en-IN" dirty="0" err="1"/>
+              <a:t>canActivate</a:t>
+            </a:r>
+            <a:r>
+              <a:rPr lang="en-IN" dirty="0"/>
+              <a:t>:[</a:t>
+            </a:r>
+            <a:r>
+              <a:rPr lang="en-IN" dirty="0" err="1"/>
+              <a:t>className</a:t>
+            </a:r>
+            <a:r>
+              <a:rPr lang="en-IN" dirty="0"/>
+              <a:t>]}</a:t>
+            </a:r>
+          </a:p>
+          <a:p>
+            <a:r>
+              <a:rPr lang="en-IN" dirty="0"/>
+              <a:t>Add implementing class also in Provider array of module</a:t>
+            </a:r>
+          </a:p>
+          <a:p>
+            <a:r>
+              <a:rPr lang="en-IN" dirty="0" err="1"/>
+              <a:t>Protacting</a:t>
+            </a:r>
+            <a:r>
+              <a:rPr lang="en-IN" dirty="0"/>
+              <a:t> routes according to user Role. To achieve this we can have a array of </a:t>
+            </a:r>
+            <a:r>
+              <a:rPr lang="en-IN" dirty="0" err="1"/>
+              <a:t>canActive</a:t>
+            </a:r>
+            <a:r>
+              <a:rPr lang="en-IN" dirty="0"/>
+              <a:t> in module. </a:t>
+            </a:r>
+          </a:p>
+          <a:p>
+            <a:r>
+              <a:rPr lang="en-IN" dirty="0"/>
+              <a:t>In implementation of </a:t>
+            </a:r>
+            <a:r>
+              <a:rPr lang="en-IN" dirty="0" err="1"/>
+              <a:t>canActivate</a:t>
+            </a:r>
+            <a:r>
+              <a:rPr lang="en-IN" dirty="0"/>
+              <a:t> method we can check user role before </a:t>
+            </a:r>
+            <a:r>
+              <a:rPr lang="en-IN" dirty="0" err="1"/>
+              <a:t>nevigeting</a:t>
+            </a:r>
+            <a:r>
+              <a:rPr lang="en-IN" dirty="0"/>
+              <a:t> to </a:t>
+            </a:r>
+            <a:r>
+              <a:rPr lang="en-IN" dirty="0" err="1"/>
+              <a:t>url</a:t>
+            </a:r>
+            <a:endParaRPr lang="en-IN" dirty="0"/>
+          </a:p>
+        </p:txBody>
+      </p:sp>
+    </p:spTree>
+    <p:extLst>
+      <p:ext uri="{BB962C8B-B14F-4D97-AF65-F5344CB8AC3E}">
+        <p14:creationId xmlns:p14="http://schemas.microsoft.com/office/powerpoint/2010/main" val="1909606373"/>
+      </p:ext>
+    </p:extLst>
+  </p:cSld>
+  <p:clrMapOvr>
+    <a:masterClrMapping/>
+  </p:clrMapOvr>
+</p:sld>
+</file>
+
+<file path=ppt/slides/slide35.xml><?xml version="1.0" encoding="utf-8"?>
+<p:sld xmlns:a="http://schemas.openxmlformats.org/drawingml/2006/main" xmlns:r="http://schemas.openxmlformats.org/officeDocument/2006/relationships" xmlns:p="http://schemas.openxmlformats.org/presentationml/2006/main">
+  <p:cSld>
+    <p:spTree>
+      <p:nvGrpSpPr>
+        <p:cNvPr id="1" name=""/>
+        <p:cNvGrpSpPr/>
+        <p:nvPr/>
+      </p:nvGrpSpPr>
+      <p:grpSpPr>
+        <a:xfrm>
+          <a:off x="0" y="0"/>
+          <a:ext cx="0" cy="0"/>
+          <a:chOff x="0" y="0"/>
+          <a:chExt cx="0" cy="0"/>
+        </a:xfrm>
+      </p:grpSpPr>
+      <p:sp>
+        <p:nvSpPr>
+          <p:cNvPr id="2" name="Title 1">
+            <a:extLst>
+              <a:ext uri="{FF2B5EF4-FFF2-40B4-BE49-F238E27FC236}">
+                <a16:creationId xmlns:a16="http://schemas.microsoft.com/office/drawing/2014/main" id="{DBC31A23-9A6B-4E10-81E6-A30D2D647FE9}"/>
+              </a:ext>
+            </a:extLst>
+          </p:cNvPr>
+          <p:cNvSpPr>
+            <a:spLocks noGrp="1"/>
+          </p:cNvSpPr>
+          <p:nvPr>
+            <p:ph type="title"/>
+          </p:nvPr>
+        </p:nvSpPr>
+        <p:spPr>
+          <a:xfrm>
+            <a:off x="745724" y="365125"/>
+            <a:ext cx="10608076" cy="700195"/>
+          </a:xfrm>
+        </p:spPr>
+        <p:txBody>
+          <a:bodyPr/>
+          <a:lstStyle/>
+          <a:p>
+            <a:r>
+              <a:rPr lang="en-IN" dirty="0"/>
+              <a:t>Accessing protected API endpoint</a:t>
+            </a:r>
+          </a:p>
+        </p:txBody>
+      </p:sp>
+      <p:sp>
+        <p:nvSpPr>
+          <p:cNvPr id="3" name="Content Placeholder 2">
+            <a:extLst>
+              <a:ext uri="{FF2B5EF4-FFF2-40B4-BE49-F238E27FC236}">
+                <a16:creationId xmlns:a16="http://schemas.microsoft.com/office/drawing/2014/main" id="{C71F5381-83E1-4555-BEEF-4442C041C3C6}"/>
+              </a:ext>
+            </a:extLst>
+          </p:cNvPr>
+          <p:cNvSpPr>
+            <a:spLocks noGrp="1"/>
+          </p:cNvSpPr>
+          <p:nvPr>
+            <p:ph idx="1"/>
+          </p:nvPr>
+        </p:nvSpPr>
+        <p:spPr>
+          <a:xfrm>
+            <a:off x="745724" y="1065320"/>
+            <a:ext cx="10608076" cy="5111643"/>
+          </a:xfrm>
+        </p:spPr>
+        <p:txBody>
+          <a:bodyPr/>
+          <a:lstStyle/>
+          <a:p>
+            <a:r>
+              <a:rPr lang="en-IN" dirty="0"/>
+              <a:t>Header = new Headers(); </a:t>
+            </a:r>
+          </a:p>
+          <a:p>
+            <a:r>
+              <a:rPr lang="en-IN" dirty="0" err="1"/>
+              <a:t>Header.append</a:t>
+            </a:r>
+            <a:r>
+              <a:rPr lang="en-IN" dirty="0"/>
+              <a:t>(“authorization”,”bearer”+</a:t>
+            </a:r>
+            <a:r>
+              <a:rPr lang="en-IN" dirty="0" err="1"/>
+              <a:t>tokenVlaue</a:t>
+            </a:r>
+            <a:r>
+              <a:rPr lang="en-IN" dirty="0"/>
+              <a:t>);</a:t>
+            </a:r>
+          </a:p>
+          <a:p>
+            <a:r>
+              <a:rPr lang="en-IN" dirty="0"/>
+              <a:t>Option = new </a:t>
+            </a:r>
+            <a:r>
+              <a:rPr lang="en-IN" dirty="0" err="1"/>
+              <a:t>RequestOptions</a:t>
+            </a:r>
+            <a:r>
+              <a:rPr lang="en-IN" dirty="0"/>
+              <a:t>({headers :Headers});</a:t>
+            </a:r>
+          </a:p>
+          <a:p>
+            <a:r>
+              <a:rPr lang="en-IN" dirty="0"/>
+              <a:t>This is how we can put all authorization detail in headers of the request.</a:t>
+            </a:r>
+          </a:p>
+          <a:p>
+            <a:r>
+              <a:rPr lang="en-IN" dirty="0"/>
+              <a:t>We can replace Http object with </a:t>
+            </a:r>
+            <a:r>
+              <a:rPr lang="en-IN" dirty="0" err="1"/>
+              <a:t>AuthHttp</a:t>
+            </a:r>
+            <a:r>
+              <a:rPr lang="en-IN" dirty="0"/>
+              <a:t> which has all the method of Http as wall as some authorization method too.</a:t>
+            </a:r>
+          </a:p>
+          <a:p>
+            <a:r>
+              <a:rPr lang="en-IN" dirty="0"/>
+              <a:t>By using this we can work with request body. </a:t>
+            </a:r>
+            <a:r>
+              <a:rPr lang="en-IN" dirty="0" err="1"/>
+              <a:t>Whiel</a:t>
+            </a:r>
+            <a:r>
+              <a:rPr lang="en-IN" dirty="0"/>
+              <a:t> accessing the protected </a:t>
+            </a:r>
+            <a:r>
+              <a:rPr lang="en-IN"/>
+              <a:t>API endpoint</a:t>
+            </a:r>
+            <a:endParaRPr lang="en-IN" dirty="0"/>
+          </a:p>
+        </p:txBody>
+      </p:sp>
+    </p:spTree>
+    <p:extLst>
+      <p:ext uri="{BB962C8B-B14F-4D97-AF65-F5344CB8AC3E}">
+        <p14:creationId xmlns:p14="http://schemas.microsoft.com/office/powerpoint/2010/main" val="3034066994"/>
       </p:ext>
     </p:extLst>
   </p:cSld>
